--- a/lecture/13/13.pptx
+++ b/lecture/13/13.pptx
@@ -7,6 +7,10 @@
   <p:sldIdLst>
     <p:sldId id="256" r:id="rId2"/>
     <p:sldId id="257" r:id="rId3"/>
+    <p:sldId id="259" r:id="rId4"/>
+    <p:sldId id="258" r:id="rId5"/>
+    <p:sldId id="260" r:id="rId6"/>
+    <p:sldId id="261" r:id="rId7"/>
   </p:sldIdLst>
   <p:sldSz cx="12192000" cy="6858000"/>
   <p:notesSz cx="6858000" cy="9144000"/>
@@ -260,7 +264,7 @@
           <a:p>
             <a:fld id="{2E3E25B3-DC01-4BCD-A739-BA7849D6F035}" type="datetimeFigureOut">
               <a:rPr lang="en-US" smtClean="0"/>
-              <a:t>11/27/2022</a:t>
+              <a:t>12/5/2022</a:t>
             </a:fld>
             <a:endParaRPr lang="en-US"/>
           </a:p>
@@ -458,7 +462,7 @@
           <a:p>
             <a:fld id="{2E3E25B3-DC01-4BCD-A739-BA7849D6F035}" type="datetimeFigureOut">
               <a:rPr lang="en-US" smtClean="0"/>
-              <a:t>11/27/2022</a:t>
+              <a:t>12/5/2022</a:t>
             </a:fld>
             <a:endParaRPr lang="en-US"/>
           </a:p>
@@ -666,7 +670,7 @@
           <a:p>
             <a:fld id="{2E3E25B3-DC01-4BCD-A739-BA7849D6F035}" type="datetimeFigureOut">
               <a:rPr lang="en-US" smtClean="0"/>
-              <a:t>11/27/2022</a:t>
+              <a:t>12/5/2022</a:t>
             </a:fld>
             <a:endParaRPr lang="en-US"/>
           </a:p>
@@ -864,7 +868,7 @@
           <a:p>
             <a:fld id="{2E3E25B3-DC01-4BCD-A739-BA7849D6F035}" type="datetimeFigureOut">
               <a:rPr lang="en-US" smtClean="0"/>
-              <a:t>11/27/2022</a:t>
+              <a:t>12/5/2022</a:t>
             </a:fld>
             <a:endParaRPr lang="en-US"/>
           </a:p>
@@ -1139,7 +1143,7 @@
           <a:p>
             <a:fld id="{2E3E25B3-DC01-4BCD-A739-BA7849D6F035}" type="datetimeFigureOut">
               <a:rPr lang="en-US" smtClean="0"/>
-              <a:t>11/27/2022</a:t>
+              <a:t>12/5/2022</a:t>
             </a:fld>
             <a:endParaRPr lang="en-US"/>
           </a:p>
@@ -1404,7 +1408,7 @@
           <a:p>
             <a:fld id="{2E3E25B3-DC01-4BCD-A739-BA7849D6F035}" type="datetimeFigureOut">
               <a:rPr lang="en-US" smtClean="0"/>
-              <a:t>11/27/2022</a:t>
+              <a:t>12/5/2022</a:t>
             </a:fld>
             <a:endParaRPr lang="en-US"/>
           </a:p>
@@ -1816,7 +1820,7 @@
           <a:p>
             <a:fld id="{2E3E25B3-DC01-4BCD-A739-BA7849D6F035}" type="datetimeFigureOut">
               <a:rPr lang="en-US" smtClean="0"/>
-              <a:t>11/27/2022</a:t>
+              <a:t>12/5/2022</a:t>
             </a:fld>
             <a:endParaRPr lang="en-US"/>
           </a:p>
@@ -1957,7 +1961,7 @@
           <a:p>
             <a:fld id="{2E3E25B3-DC01-4BCD-A739-BA7849D6F035}" type="datetimeFigureOut">
               <a:rPr lang="en-US" smtClean="0"/>
-              <a:t>11/27/2022</a:t>
+              <a:t>12/5/2022</a:t>
             </a:fld>
             <a:endParaRPr lang="en-US"/>
           </a:p>
@@ -2070,7 +2074,7 @@
           <a:p>
             <a:fld id="{2E3E25B3-DC01-4BCD-A739-BA7849D6F035}" type="datetimeFigureOut">
               <a:rPr lang="en-US" smtClean="0"/>
-              <a:t>11/27/2022</a:t>
+              <a:t>12/5/2022</a:t>
             </a:fld>
             <a:endParaRPr lang="en-US"/>
           </a:p>
@@ -2381,7 +2385,7 @@
           <a:p>
             <a:fld id="{2E3E25B3-DC01-4BCD-A739-BA7849D6F035}" type="datetimeFigureOut">
               <a:rPr lang="en-US" smtClean="0"/>
-              <a:t>11/27/2022</a:t>
+              <a:t>12/5/2022</a:t>
             </a:fld>
             <a:endParaRPr lang="en-US"/>
           </a:p>
@@ -2669,7 +2673,7 @@
           <a:p>
             <a:fld id="{2E3E25B3-DC01-4BCD-A739-BA7849D6F035}" type="datetimeFigureOut">
               <a:rPr lang="en-US" smtClean="0"/>
-              <a:t>11/27/2022</a:t>
+              <a:t>12/5/2022</a:t>
             </a:fld>
             <a:endParaRPr lang="en-US"/>
           </a:p>
@@ -2910,7 +2914,7 @@
           <a:p>
             <a:fld id="{2E3E25B3-DC01-4BCD-A739-BA7849D6F035}" type="datetimeFigureOut">
               <a:rPr lang="en-US" smtClean="0"/>
-              <a:t>11/27/2022</a:t>
+              <a:t>12/5/2022</a:t>
             </a:fld>
             <a:endParaRPr lang="en-US"/>
           </a:p>
@@ -3313,6 +3317,14 @@
 <file path=ppt/slides/slide1.xml><?xml version="1.0" encoding="utf-8"?>
 <p:sld xmlns:a="http://schemas.openxmlformats.org/drawingml/2006/main" xmlns:r="http://schemas.openxmlformats.org/officeDocument/2006/relationships" xmlns:p="http://schemas.openxmlformats.org/presentationml/2006/main">
   <p:cSld>
+    <p:bg>
+      <p:bgPr>
+        <a:solidFill>
+          <a:schemeClr val="bg1"/>
+        </a:solidFill>
+        <a:effectLst/>
+      </p:bgPr>
+    </p:bg>
     <p:spTree>
       <p:nvGrpSpPr>
         <p:cNvPr id="1" name=""/>
@@ -3327,56 +3339,98 @@
           <a:chExt cx="0" cy="0"/>
         </a:xfrm>
       </p:grpSpPr>
-      <p:sp>
-        <p:nvSpPr>
-          <p:cNvPr id="2" name="Title 1">
-            <a:extLst>
-              <a:ext uri="{FF2B5EF4-FFF2-40B4-BE49-F238E27FC236}">
-                <a16:creationId xmlns:a16="http://schemas.microsoft.com/office/drawing/2014/main" id="{F5A377F5-B22A-4D6D-B44B-34C5B27058FB}"/>
-              </a:ext>
-            </a:extLst>
-          </p:cNvPr>
-          <p:cNvSpPr>
-            <a:spLocks noGrp="1"/>
-          </p:cNvSpPr>
-          <p:nvPr>
-            <p:ph type="ctrTitle"/>
-          </p:nvPr>
-        </p:nvSpPr>
-        <p:spPr/>
-        <p:txBody>
-          <a:bodyPr/>
-          <a:lstStyle/>
-          <a:p>
-            <a:endParaRPr lang="en-US"/>
-          </a:p>
-        </p:txBody>
-      </p:sp>
-      <p:sp>
-        <p:nvSpPr>
-          <p:cNvPr id="3" name="Subtitle 2">
-            <a:extLst>
-              <a:ext uri="{FF2B5EF4-FFF2-40B4-BE49-F238E27FC236}">
-                <a16:creationId xmlns:a16="http://schemas.microsoft.com/office/drawing/2014/main" id="{F53DCE72-47C4-B7BE-D9A9-729A10430223}"/>
-              </a:ext>
-            </a:extLst>
-          </p:cNvPr>
-          <p:cNvSpPr>
-            <a:spLocks noGrp="1"/>
-          </p:cNvSpPr>
-          <p:nvPr>
-            <p:ph type="subTitle" idx="1"/>
-          </p:nvPr>
-        </p:nvSpPr>
-        <p:spPr/>
-        <p:txBody>
-          <a:bodyPr/>
-          <a:lstStyle/>
-          <a:p>
-            <a:endParaRPr lang="en-US"/>
-          </a:p>
-        </p:txBody>
-      </p:sp>
+      <p:pic>
+        <p:nvPicPr>
+          <p:cNvPr id="1026" name="Picture 2" descr="12 Painfully True End-of-School-Year Teacher Memes">
+            <a:extLst>
+              <a:ext uri="{FF2B5EF4-FFF2-40B4-BE49-F238E27FC236}">
+                <a16:creationId xmlns:a16="http://schemas.microsoft.com/office/drawing/2014/main" id="{EAE4DE58-E798-3064-6430-8F46D8C4493F}"/>
+              </a:ext>
+            </a:extLst>
+          </p:cNvPr>
+          <p:cNvPicPr>
+            <a:picLocks noChangeAspect="1" noChangeArrowheads="1"/>
+          </p:cNvPicPr>
+          <p:nvPr/>
+        </p:nvPicPr>
+        <p:blipFill>
+          <a:blip r:embed="rId2">
+            <a:extLst>
+              <a:ext uri="{28A0092B-C50C-407E-A947-70E740481C1C}">
+                <a14:useLocalDpi xmlns:a14="http://schemas.microsoft.com/office/drawing/2010/main" val="0"/>
+              </a:ext>
+            </a:extLst>
+          </a:blip>
+          <a:stretch>
+            <a:fillRect/>
+          </a:stretch>
+        </p:blipFill>
+        <p:spPr bwMode="auto">
+          <a:xfrm>
+            <a:off x="643467" y="1447179"/>
+            <a:ext cx="5291666" cy="3963641"/>
+          </a:xfrm>
+          <a:prstGeom prst="rect">
+            <a:avLst/>
+          </a:prstGeom>
+          <a:noFill/>
+          <a:extLst>
+            <a:ext uri="{909E8E84-426E-40DD-AFC4-6F175D3DCCD1}">
+              <a14:hiddenFill xmlns:a14="http://schemas.microsoft.com/office/drawing/2010/main">
+                <a:solidFill>
+                  <a:srgbClr val="FFFFFF"/>
+                </a:solidFill>
+              </a14:hiddenFill>
+            </a:ext>
+          </a:extLst>
+        </p:spPr>
+      </p:pic>
+      <p:pic>
+        <p:nvPicPr>
+          <p:cNvPr id="1028" name="Picture 4" descr="25 Best Memes About The Last Day Of School - SayingImages.com">
+            <a:extLst>
+              <a:ext uri="{FF2B5EF4-FFF2-40B4-BE49-F238E27FC236}">
+                <a16:creationId xmlns:a16="http://schemas.microsoft.com/office/drawing/2014/main" id="{4FA6CF24-D7A4-F8EE-7CC4-D6E04E79F5FF}"/>
+              </a:ext>
+            </a:extLst>
+          </p:cNvPr>
+          <p:cNvPicPr>
+            <a:picLocks noChangeAspect="1" noChangeArrowheads="1"/>
+          </p:cNvPicPr>
+          <p:nvPr/>
+        </p:nvPicPr>
+        <p:blipFill>
+          <a:blip r:embed="rId3">
+            <a:extLst>
+              <a:ext uri="{28A0092B-C50C-407E-A947-70E740481C1C}">
+                <a14:useLocalDpi xmlns:a14="http://schemas.microsoft.com/office/drawing/2010/main" val="0"/>
+              </a:ext>
+            </a:extLst>
+          </a:blip>
+          <a:stretch>
+            <a:fillRect/>
+          </a:stretch>
+        </p:blipFill>
+        <p:spPr bwMode="auto">
+          <a:xfrm>
+            <a:off x="6256865" y="1636036"/>
+            <a:ext cx="5291667" cy="3585928"/>
+          </a:xfrm>
+          <a:prstGeom prst="rect">
+            <a:avLst/>
+          </a:prstGeom>
+          <a:noFill/>
+          <a:extLst>
+            <a:ext uri="{909E8E84-426E-40DD-AFC4-6F175D3DCCD1}">
+              <a14:hiddenFill xmlns:a14="http://schemas.microsoft.com/office/drawing/2010/main">
+                <a:solidFill>
+                  <a:srgbClr val="FFFFFF"/>
+                </a:solidFill>
+              </a14:hiddenFill>
+            </a:ext>
+          </a:extLst>
+        </p:spPr>
+      </p:pic>
     </p:spTree>
     <p:extLst>
       <p:ext uri="{BB962C8B-B14F-4D97-AF65-F5344CB8AC3E}">
@@ -3447,6 +3501,1829 @@
     <p:extLst>
       <p:ext uri="{BB962C8B-B14F-4D97-AF65-F5344CB8AC3E}">
         <p14:creationId xmlns:p14="http://schemas.microsoft.com/office/powerpoint/2010/main" val="1859615213"/>
+      </p:ext>
+    </p:extLst>
+  </p:cSld>
+  <p:clrMapOvr>
+    <a:masterClrMapping/>
+  </p:clrMapOvr>
+</p:sld>
+</file>
+
+<file path=ppt/slides/slide3.xml><?xml version="1.0" encoding="utf-8"?>
+<p:sld xmlns:a="http://schemas.openxmlformats.org/drawingml/2006/main" xmlns:r="http://schemas.openxmlformats.org/officeDocument/2006/relationships" xmlns:p="http://schemas.openxmlformats.org/presentationml/2006/main">
+  <p:cSld>
+    <p:bg>
+      <p:bgPr>
+        <a:solidFill>
+          <a:schemeClr val="bg1"/>
+        </a:solidFill>
+        <a:effectLst/>
+      </p:bgPr>
+    </p:bg>
+    <p:spTree>
+      <p:nvGrpSpPr>
+        <p:cNvPr id="1" name=""/>
+        <p:cNvGrpSpPr/>
+        <p:nvPr/>
+      </p:nvGrpSpPr>
+      <p:grpSpPr>
+        <a:xfrm>
+          <a:off x="0" y="0"/>
+          <a:ext cx="0" cy="0"/>
+          <a:chOff x="0" y="0"/>
+          <a:chExt cx="0" cy="0"/>
+        </a:xfrm>
+      </p:grpSpPr>
+      <p:sp useBgFill="1">
+        <p:nvSpPr>
+          <p:cNvPr id="8" name="Rectangle 7">
+            <a:extLst>
+              <a:ext uri="{FF2B5EF4-FFF2-40B4-BE49-F238E27FC236}">
+                <a16:creationId xmlns:a16="http://schemas.microsoft.com/office/drawing/2014/main" id="{C7FA33FF-088D-4F16-95A2-2C64D353DEA8}"/>
+              </a:ext>
+              <a:ext uri="{C183D7F6-B498-43B3-948B-1728B52AA6E4}">
+                <adec:decorative xmlns:adec="http://schemas.microsoft.com/office/drawing/2017/decorative" val="1"/>
+              </a:ext>
+            </a:extLst>
+          </p:cNvPr>
+          <p:cNvSpPr>
+            <a:spLocks noGrp="1" noRot="1" noChangeAspect="1" noMove="1" noResize="1" noEditPoints="1" noAdjustHandles="1" noChangeArrowheads="1" noChangeShapeType="1" noTextEdit="1"/>
+          </p:cNvSpPr>
+          <p:nvPr>
+            <p:extLst>
+              <p:ext uri="{386F3935-93C4-4BCD-93E2-E3B085C9AB24}">
+                <p16:designElem xmlns:p16="http://schemas.microsoft.com/office/powerpoint/2015/main" val="1"/>
+              </p:ext>
+            </p:extLst>
+          </p:nvPr>
+        </p:nvSpPr>
+        <p:spPr>
+          <a:xfrm>
+            <a:off x="1524" y="0"/>
+            <a:ext cx="12188952" cy="6858000"/>
+          </a:xfrm>
+          <a:prstGeom prst="rect">
+            <a:avLst/>
+          </a:prstGeom>
+          <a:ln>
+            <a:noFill/>
+          </a:ln>
+        </p:spPr>
+        <p:style>
+          <a:lnRef idx="2">
+            <a:schemeClr val="accent1">
+              <a:shade val="50000"/>
+            </a:schemeClr>
+          </a:lnRef>
+          <a:fillRef idx="1">
+            <a:schemeClr val="accent1"/>
+          </a:fillRef>
+          <a:effectRef idx="0">
+            <a:schemeClr val="accent1"/>
+          </a:effectRef>
+          <a:fontRef idx="minor">
+            <a:schemeClr val="lt1"/>
+          </a:fontRef>
+        </p:style>
+        <p:txBody>
+          <a:bodyPr rtlCol="0" anchor="ctr"/>
+          <a:lstStyle/>
+          <a:p>
+            <a:pPr marL="0" marR="0" lvl="0" indent="0" algn="ctr" defTabSz="914400" rtl="0" eaLnBrk="1" fontAlgn="auto" latinLnBrk="0" hangingPunct="1">
+              <a:lnSpc>
+                <a:spcPct val="100000"/>
+              </a:lnSpc>
+              <a:spcBef>
+                <a:spcPts val="0"/>
+              </a:spcBef>
+              <a:spcAft>
+                <a:spcPts val="0"/>
+              </a:spcAft>
+              <a:buClrTx/>
+              <a:buSzTx/>
+              <a:buFontTx/>
+              <a:buNone/>
+              <a:tabLst/>
+              <a:defRPr/>
+            </a:pPr>
+            <a:endParaRPr kumimoji="0" lang="en-US" sz="1800" b="0" i="0" u="none" strike="noStrike" kern="1200" cap="none" spc="0" normalizeH="0" baseline="0" noProof="0">
+              <a:ln>
+                <a:noFill/>
+              </a:ln>
+              <a:solidFill>
+                <a:prstClr val="white"/>
+              </a:solidFill>
+              <a:effectLst/>
+              <a:uLnTx/>
+              <a:uFillTx/>
+              <a:latin typeface="Calibri" panose="020F0502020204030204"/>
+              <a:ea typeface="+mn-ea"/>
+              <a:cs typeface="+mn-cs"/>
+            </a:endParaRPr>
+          </a:p>
+        </p:txBody>
+      </p:sp>
+      <p:sp>
+        <p:nvSpPr>
+          <p:cNvPr id="10" name="Rectangle 9">
+            <a:extLst>
+              <a:ext uri="{FF2B5EF4-FFF2-40B4-BE49-F238E27FC236}">
+                <a16:creationId xmlns:a16="http://schemas.microsoft.com/office/drawing/2014/main" id="{A376EFB1-01CF-419F-ABF1-2AF02BBFCBD1}"/>
+              </a:ext>
+              <a:ext uri="{C183D7F6-B498-43B3-948B-1728B52AA6E4}">
+                <adec:decorative xmlns:adec="http://schemas.microsoft.com/office/drawing/2017/decorative" val="1"/>
+              </a:ext>
+            </a:extLst>
+          </p:cNvPr>
+          <p:cNvSpPr>
+            <a:spLocks noGrp="1" noRot="1" noChangeAspect="1" noMove="1" noResize="1" noEditPoints="1" noAdjustHandles="1" noChangeArrowheads="1" noChangeShapeType="1" noTextEdit="1"/>
+          </p:cNvSpPr>
+          <p:nvPr>
+            <p:extLst>
+              <p:ext uri="{386F3935-93C4-4BCD-93E2-E3B085C9AB24}">
+                <p16:designElem xmlns:p16="http://schemas.microsoft.com/office/powerpoint/2015/main" val="1"/>
+              </p:ext>
+            </p:extLst>
+          </p:nvPr>
+        </p:nvSpPr>
+        <p:spPr>
+          <a:xfrm>
+            <a:off x="0" y="0"/>
+            <a:ext cx="4709160" cy="6858000"/>
+          </a:xfrm>
+          <a:prstGeom prst="rect">
+            <a:avLst/>
+          </a:prstGeom>
+          <a:solidFill>
+            <a:schemeClr val="tx1">
+              <a:alpha val="81000"/>
+            </a:schemeClr>
+          </a:solidFill>
+          <a:ln>
+            <a:noFill/>
+          </a:ln>
+        </p:spPr>
+        <p:style>
+          <a:lnRef idx="2">
+            <a:schemeClr val="accent1">
+              <a:shade val="50000"/>
+            </a:schemeClr>
+          </a:lnRef>
+          <a:fillRef idx="1">
+            <a:schemeClr val="accent1"/>
+          </a:fillRef>
+          <a:effectRef idx="0">
+            <a:schemeClr val="accent1"/>
+          </a:effectRef>
+          <a:fontRef idx="minor">
+            <a:schemeClr val="lt1"/>
+          </a:fontRef>
+        </p:style>
+        <p:txBody>
+          <a:bodyPr rtlCol="0" anchor="ctr"/>
+          <a:lstStyle/>
+          <a:p>
+            <a:pPr marL="0" marR="0" lvl="0" indent="0" algn="ctr" defTabSz="914400" rtl="0" eaLnBrk="1" fontAlgn="auto" latinLnBrk="0" hangingPunct="1">
+              <a:lnSpc>
+                <a:spcPct val="100000"/>
+              </a:lnSpc>
+              <a:spcBef>
+                <a:spcPts val="0"/>
+              </a:spcBef>
+              <a:spcAft>
+                <a:spcPts val="0"/>
+              </a:spcAft>
+              <a:buClrTx/>
+              <a:buSzTx/>
+              <a:buFontTx/>
+              <a:buNone/>
+              <a:tabLst/>
+              <a:defRPr/>
+            </a:pPr>
+            <a:endParaRPr kumimoji="0" lang="en-US" sz="1800" b="0" i="0" u="none" strike="noStrike" kern="1200" cap="none" spc="0" normalizeH="0" baseline="0" noProof="0">
+              <a:ln>
+                <a:noFill/>
+              </a:ln>
+              <a:solidFill>
+                <a:prstClr val="white"/>
+              </a:solidFill>
+              <a:effectLst/>
+              <a:uLnTx/>
+              <a:uFillTx/>
+              <a:latin typeface="Calibri" panose="020F0502020204030204"/>
+              <a:ea typeface="+mn-ea"/>
+              <a:cs typeface="+mn-cs"/>
+            </a:endParaRPr>
+          </a:p>
+        </p:txBody>
+      </p:sp>
+      <p:sp>
+        <p:nvSpPr>
+          <p:cNvPr id="12" name="Freeform: Shape 11">
+            <a:extLst>
+              <a:ext uri="{FF2B5EF4-FFF2-40B4-BE49-F238E27FC236}">
+                <a16:creationId xmlns:a16="http://schemas.microsoft.com/office/drawing/2014/main" id="{FF9DEA15-78BD-4750-AA18-B9F28A6D5AB8}"/>
+              </a:ext>
+              <a:ext uri="{C183D7F6-B498-43B3-948B-1728B52AA6E4}">
+                <adec:decorative xmlns:adec="http://schemas.microsoft.com/office/drawing/2017/decorative" val="1"/>
+              </a:ext>
+            </a:extLst>
+          </p:cNvPr>
+          <p:cNvSpPr>
+            <a:spLocks noGrp="1" noRot="1" noChangeAspect="1" noMove="1" noResize="1" noEditPoints="1" noAdjustHandles="1" noChangeArrowheads="1" noChangeShapeType="1" noTextEdit="1"/>
+          </p:cNvSpPr>
+          <p:nvPr>
+            <p:extLst>
+              <p:ext uri="{386F3935-93C4-4BCD-93E2-E3B085C9AB24}">
+                <p16:designElem xmlns:p16="http://schemas.microsoft.com/office/powerpoint/2015/main" val="1"/>
+              </p:ext>
+            </p:extLst>
+          </p:nvPr>
+        </p:nvSpPr>
+        <p:spPr>
+          <a:xfrm>
+            <a:off x="0" y="0"/>
+            <a:ext cx="3284331" cy="6858000"/>
+          </a:xfrm>
+          <a:custGeom>
+            <a:avLst/>
+            <a:gdLst>
+              <a:gd name="connsiteX0" fmla="*/ 0 w 4319042"/>
+              <a:gd name="connsiteY0" fmla="*/ 0 h 6858000"/>
+              <a:gd name="connsiteX1" fmla="*/ 1142888 w 4319042"/>
+              <a:gd name="connsiteY1" fmla="*/ 0 h 6858000"/>
+              <a:gd name="connsiteX2" fmla="*/ 4319042 w 4319042"/>
+              <a:gd name="connsiteY2" fmla="*/ 6858000 h 6858000"/>
+              <a:gd name="connsiteX3" fmla="*/ 0 w 4319042"/>
+              <a:gd name="connsiteY3" fmla="*/ 6858000 h 6858000"/>
+            </a:gdLst>
+            <a:ahLst/>
+            <a:cxnLst>
+              <a:cxn ang="0">
+                <a:pos x="connsiteX0" y="connsiteY0"/>
+              </a:cxn>
+              <a:cxn ang="0">
+                <a:pos x="connsiteX1" y="connsiteY1"/>
+              </a:cxn>
+              <a:cxn ang="0">
+                <a:pos x="connsiteX2" y="connsiteY2"/>
+              </a:cxn>
+              <a:cxn ang="0">
+                <a:pos x="connsiteX3" y="connsiteY3"/>
+              </a:cxn>
+            </a:cxnLst>
+            <a:rect l="l" t="t" r="r" b="b"/>
+            <a:pathLst>
+              <a:path w="4319042" h="6858000">
+                <a:moveTo>
+                  <a:pt x="0" y="0"/>
+                </a:moveTo>
+                <a:lnTo>
+                  <a:pt x="1142888" y="0"/>
+                </a:lnTo>
+                <a:lnTo>
+                  <a:pt x="4319042" y="6858000"/>
+                </a:lnTo>
+                <a:lnTo>
+                  <a:pt x="0" y="6858000"/>
+                </a:lnTo>
+                <a:close/>
+              </a:path>
+            </a:pathLst>
+          </a:custGeom>
+          <a:solidFill>
+            <a:schemeClr val="tx1">
+              <a:alpha val="35000"/>
+            </a:schemeClr>
+          </a:solidFill>
+          <a:ln>
+            <a:noFill/>
+          </a:ln>
+        </p:spPr>
+        <p:style>
+          <a:lnRef idx="2">
+            <a:schemeClr val="accent1">
+              <a:shade val="50000"/>
+            </a:schemeClr>
+          </a:lnRef>
+          <a:fillRef idx="1">
+            <a:schemeClr val="accent1"/>
+          </a:fillRef>
+          <a:effectRef idx="0">
+            <a:schemeClr val="accent1"/>
+          </a:effectRef>
+          <a:fontRef idx="minor">
+            <a:schemeClr val="lt1"/>
+          </a:fontRef>
+        </p:style>
+        <p:txBody>
+          <a:bodyPr wrap="square" rtlCol="0" anchor="ctr">
+            <a:noAutofit/>
+          </a:bodyPr>
+          <a:lstStyle/>
+          <a:p>
+            <a:pPr marL="0" marR="0" lvl="0" indent="0" algn="ctr" defTabSz="914400" rtl="0" eaLnBrk="1" fontAlgn="auto" latinLnBrk="0" hangingPunct="1">
+              <a:lnSpc>
+                <a:spcPct val="100000"/>
+              </a:lnSpc>
+              <a:spcBef>
+                <a:spcPts val="0"/>
+              </a:spcBef>
+              <a:spcAft>
+                <a:spcPts val="0"/>
+              </a:spcAft>
+              <a:buClrTx/>
+              <a:buSzTx/>
+              <a:buFontTx/>
+              <a:buNone/>
+              <a:tabLst/>
+              <a:defRPr/>
+            </a:pPr>
+            <a:endParaRPr kumimoji="0" lang="en-US" sz="1800" b="0" i="0" u="none" strike="noStrike" kern="1200" cap="none" spc="0" normalizeH="0" baseline="0" noProof="0">
+              <a:ln>
+                <a:noFill/>
+              </a:ln>
+              <a:solidFill>
+                <a:prstClr val="white"/>
+              </a:solidFill>
+              <a:effectLst/>
+              <a:uLnTx/>
+              <a:uFillTx/>
+              <a:latin typeface="Calibri" panose="020F0502020204030204"/>
+              <a:ea typeface="+mn-ea"/>
+              <a:cs typeface="+mn-cs"/>
+            </a:endParaRPr>
+          </a:p>
+        </p:txBody>
+      </p:sp>
+      <p:sp>
+        <p:nvSpPr>
+          <p:cNvPr id="2" name="Title 1">
+            <a:extLst>
+              <a:ext uri="{FF2B5EF4-FFF2-40B4-BE49-F238E27FC236}">
+                <a16:creationId xmlns:a16="http://schemas.microsoft.com/office/drawing/2014/main" id="{022F8F9D-73B6-B278-7AE4-0FB173E8052D}"/>
+              </a:ext>
+            </a:extLst>
+          </p:cNvPr>
+          <p:cNvSpPr>
+            <a:spLocks noGrp="1"/>
+          </p:cNvSpPr>
+          <p:nvPr>
+            <p:ph type="title"/>
+          </p:nvPr>
+        </p:nvSpPr>
+        <p:spPr>
+          <a:xfrm>
+            <a:off x="804672" y="640080"/>
+            <a:ext cx="3282696" cy="5257800"/>
+          </a:xfrm>
+        </p:spPr>
+        <p:txBody>
+          <a:bodyPr>
+            <a:normAutofit/>
+          </a:bodyPr>
+          <a:lstStyle/>
+          <a:p>
+            <a:r>
+              <a:rPr lang="en-US">
+                <a:solidFill>
+                  <a:schemeClr val="bg1"/>
+                </a:solidFill>
+              </a:rPr>
+              <a:t>Presentation</a:t>
+            </a:r>
+          </a:p>
+        </p:txBody>
+      </p:sp>
+      <p:sp>
+        <p:nvSpPr>
+          <p:cNvPr id="3" name="Content Placeholder 2">
+            <a:extLst>
+              <a:ext uri="{FF2B5EF4-FFF2-40B4-BE49-F238E27FC236}">
+                <a16:creationId xmlns:a16="http://schemas.microsoft.com/office/drawing/2014/main" id="{CE56281C-F09E-71EC-BB19-F513BF2B3C68}"/>
+              </a:ext>
+            </a:extLst>
+          </p:cNvPr>
+          <p:cNvSpPr>
+            <a:spLocks noGrp="1"/>
+          </p:cNvSpPr>
+          <p:nvPr>
+            <p:ph idx="1"/>
+          </p:nvPr>
+        </p:nvSpPr>
+        <p:spPr>
+          <a:xfrm>
+            <a:off x="5358384" y="640081"/>
+            <a:ext cx="6024654" cy="5257800"/>
+          </a:xfrm>
+        </p:spPr>
+        <p:txBody>
+          <a:bodyPr anchor="ctr">
+            <a:normAutofit/>
+          </a:bodyPr>
+          <a:lstStyle/>
+          <a:p>
+            <a:r>
+              <a:rPr lang="en-US" sz="2400" dirty="0"/>
+              <a:t>25 mins + 5 mins Q&amp;A</a:t>
+            </a:r>
+          </a:p>
+          <a:p>
+            <a:r>
+              <a:rPr lang="en-US" sz="2400" dirty="0"/>
+              <a:t>Project Presentation</a:t>
+            </a:r>
+          </a:p>
+          <a:p>
+            <a:pPr lvl="1"/>
+            <a:r>
+              <a:rPr lang="en-US" dirty="0"/>
+              <a:t>Presentation submission: 20 points </a:t>
+            </a:r>
+          </a:p>
+          <a:p>
+            <a:pPr lvl="1"/>
+            <a:r>
+              <a:rPr lang="en-US" dirty="0"/>
+              <a:t>Instructor’s evaluation: 20 points </a:t>
+            </a:r>
+          </a:p>
+          <a:p>
+            <a:pPr lvl="1"/>
+            <a:r>
+              <a:rPr lang="en-US" dirty="0"/>
+              <a:t>Peer’s evaluations: 40 points</a:t>
+            </a:r>
+          </a:p>
+          <a:p>
+            <a:r>
+              <a:rPr lang="en-US" sz="2400" dirty="0"/>
+              <a:t>Presentation Critique: </a:t>
+            </a:r>
+            <a:r>
+              <a:rPr lang="en-US" sz="2400" b="0" i="0" dirty="0">
+                <a:effectLst/>
+                <a:latin typeface="72"/>
+                <a:hlinkClick r:id="rId2"/>
+              </a:rPr>
+              <a:t>https://pitt.co1.qualtrics.com/jfe/form/SV_bPGLFQRYFiYFH8y</a:t>
+            </a:r>
+            <a:endParaRPr lang="en-US" sz="2400" b="0" i="0" dirty="0">
+              <a:effectLst/>
+              <a:latin typeface="72"/>
+            </a:endParaRPr>
+          </a:p>
+          <a:p>
+            <a:pPr lvl="1"/>
+            <a:r>
+              <a:rPr lang="en-US" dirty="0">
+                <a:latin typeface="72"/>
+              </a:rPr>
+              <a:t>1 evaluation per team. </a:t>
+            </a:r>
+            <a:endParaRPr lang="en-US" dirty="0"/>
+          </a:p>
+        </p:txBody>
+      </p:sp>
+    </p:spTree>
+    <p:extLst>
+      <p:ext uri="{BB962C8B-B14F-4D97-AF65-F5344CB8AC3E}">
+        <p14:creationId xmlns:p14="http://schemas.microsoft.com/office/powerpoint/2010/main" val="4206960404"/>
+      </p:ext>
+    </p:extLst>
+  </p:cSld>
+  <p:clrMapOvr>
+    <a:masterClrMapping/>
+  </p:clrMapOvr>
+</p:sld>
+</file>
+
+<file path=ppt/slides/slide4.xml><?xml version="1.0" encoding="utf-8"?>
+<p:sld xmlns:a="http://schemas.openxmlformats.org/drawingml/2006/main" xmlns:r="http://schemas.openxmlformats.org/officeDocument/2006/relationships" xmlns:p="http://schemas.openxmlformats.org/presentationml/2006/main">
+  <p:cSld>
+    <p:bg>
+      <p:bgPr>
+        <a:solidFill>
+          <a:schemeClr val="bg1"/>
+        </a:solidFill>
+        <a:effectLst/>
+      </p:bgPr>
+    </p:bg>
+    <p:spTree>
+      <p:nvGrpSpPr>
+        <p:cNvPr id="1" name=""/>
+        <p:cNvGrpSpPr/>
+        <p:nvPr/>
+      </p:nvGrpSpPr>
+      <p:grpSpPr>
+        <a:xfrm>
+          <a:off x="0" y="0"/>
+          <a:ext cx="0" cy="0"/>
+          <a:chOff x="0" y="0"/>
+          <a:chExt cx="0" cy="0"/>
+        </a:xfrm>
+      </p:grpSpPr>
+      <p:sp>
+        <p:nvSpPr>
+          <p:cNvPr id="2059" name="Rectangle 2058">
+            <a:extLst>
+              <a:ext uri="{FF2B5EF4-FFF2-40B4-BE49-F238E27FC236}">
+                <a16:creationId xmlns:a16="http://schemas.microsoft.com/office/drawing/2014/main" id="{6753252F-4873-4F63-801D-CC719279A7D5}"/>
+              </a:ext>
+              <a:ext uri="{C183D7F6-B498-43B3-948B-1728B52AA6E4}">
+                <adec:decorative xmlns:adec="http://schemas.microsoft.com/office/drawing/2017/decorative" val="1"/>
+              </a:ext>
+            </a:extLst>
+          </p:cNvPr>
+          <p:cNvSpPr>
+            <a:spLocks noGrp="1" noRot="1" noChangeAspect="1" noMove="1" noResize="1" noEditPoints="1" noAdjustHandles="1" noChangeArrowheads="1" noChangeShapeType="1" noTextEdit="1"/>
+          </p:cNvSpPr>
+          <p:nvPr>
+            <p:extLst>
+              <p:ext uri="{386F3935-93C4-4BCD-93E2-E3B085C9AB24}">
+                <p16:designElem xmlns:p16="http://schemas.microsoft.com/office/powerpoint/2015/main" val="1"/>
+              </p:ext>
+            </p:extLst>
+          </p:nvPr>
+        </p:nvSpPr>
+        <p:spPr>
+          <a:xfrm>
+            <a:off x="0" y="0"/>
+            <a:ext cx="12192000" cy="6858000"/>
+          </a:xfrm>
+          <a:prstGeom prst="rect">
+            <a:avLst/>
+          </a:prstGeom>
+          <a:solidFill>
+            <a:srgbClr val="FFFFFF"/>
+          </a:solidFill>
+          <a:ln>
+            <a:noFill/>
+          </a:ln>
+        </p:spPr>
+        <p:style>
+          <a:lnRef idx="2">
+            <a:schemeClr val="accent1">
+              <a:shade val="50000"/>
+            </a:schemeClr>
+          </a:lnRef>
+          <a:fillRef idx="1">
+            <a:schemeClr val="accent1"/>
+          </a:fillRef>
+          <a:effectRef idx="0">
+            <a:schemeClr val="accent1"/>
+          </a:effectRef>
+          <a:fontRef idx="minor">
+            <a:schemeClr val="lt1"/>
+          </a:fontRef>
+        </p:style>
+        <p:txBody>
+          <a:bodyPr rtlCol="0" anchor="ctr"/>
+          <a:lstStyle/>
+          <a:p>
+            <a:pPr algn="ctr"/>
+            <a:endParaRPr lang="en-US"/>
+          </a:p>
+        </p:txBody>
+      </p:sp>
+      <p:sp>
+        <p:nvSpPr>
+          <p:cNvPr id="2061" name="Rectangle 2060">
+            <a:extLst>
+              <a:ext uri="{FF2B5EF4-FFF2-40B4-BE49-F238E27FC236}">
+                <a16:creationId xmlns:a16="http://schemas.microsoft.com/office/drawing/2014/main" id="{047C8CCB-F95D-4249-92DD-651249D3535A}"/>
+              </a:ext>
+              <a:ext uri="{C183D7F6-B498-43B3-948B-1728B52AA6E4}">
+                <adec:decorative xmlns:adec="http://schemas.microsoft.com/office/drawing/2017/decorative" val="1"/>
+              </a:ext>
+            </a:extLst>
+          </p:cNvPr>
+          <p:cNvSpPr>
+            <a:spLocks noGrp="1" noRot="1" noChangeAspect="1" noMove="1" noResize="1" noEditPoints="1" noAdjustHandles="1" noChangeArrowheads="1" noChangeShapeType="1" noTextEdit="1"/>
+          </p:cNvSpPr>
+          <p:nvPr>
+            <p:extLst>
+              <p:ext uri="{386F3935-93C4-4BCD-93E2-E3B085C9AB24}">
+                <p16:designElem xmlns:p16="http://schemas.microsoft.com/office/powerpoint/2015/main" val="1"/>
+              </p:ext>
+            </p:extLst>
+          </p:nvPr>
+        </p:nvSpPr>
+        <p:spPr>
+          <a:xfrm>
+            <a:off x="0" y="0"/>
+            <a:ext cx="2013557" cy="6858000"/>
+          </a:xfrm>
+          <a:prstGeom prst="rect">
+            <a:avLst/>
+          </a:prstGeom>
+          <a:solidFill>
+            <a:srgbClr val="52413C"/>
+          </a:solidFill>
+          <a:ln>
+            <a:noFill/>
+          </a:ln>
+        </p:spPr>
+        <p:style>
+          <a:lnRef idx="2">
+            <a:schemeClr val="accent1">
+              <a:shade val="50000"/>
+            </a:schemeClr>
+          </a:lnRef>
+          <a:fillRef idx="1">
+            <a:schemeClr val="accent1"/>
+          </a:fillRef>
+          <a:effectRef idx="0">
+            <a:schemeClr val="accent1"/>
+          </a:effectRef>
+          <a:fontRef idx="minor">
+            <a:schemeClr val="lt1"/>
+          </a:fontRef>
+        </p:style>
+        <p:txBody>
+          <a:bodyPr rtlCol="0" anchor="ctr"/>
+          <a:lstStyle/>
+          <a:p>
+            <a:pPr algn="ctr"/>
+            <a:endParaRPr lang="en-US"/>
+          </a:p>
+        </p:txBody>
+      </p:sp>
+      <p:pic>
+        <p:nvPicPr>
+          <p:cNvPr id="2054" name="Picture 6" descr="course evaluation Memes &amp; GIFs - Imgflip">
+            <a:extLst>
+              <a:ext uri="{FF2B5EF4-FFF2-40B4-BE49-F238E27FC236}">
+                <a16:creationId xmlns:a16="http://schemas.microsoft.com/office/drawing/2014/main" id="{E975CCBA-AEC8-FF94-D120-834A309AB298}"/>
+              </a:ext>
+            </a:extLst>
+          </p:cNvPr>
+          <p:cNvPicPr>
+            <a:picLocks noChangeAspect="1" noChangeArrowheads="1"/>
+          </p:cNvPicPr>
+          <p:nvPr/>
+        </p:nvPicPr>
+        <p:blipFill>
+          <a:blip r:embed="rId2">
+            <a:extLst>
+              <a:ext uri="{28A0092B-C50C-407E-A947-70E740481C1C}">
+                <a14:useLocalDpi xmlns:a14="http://schemas.microsoft.com/office/drawing/2010/main" val="0"/>
+              </a:ext>
+            </a:extLst>
+          </a:blip>
+          <a:srcRect/>
+          <a:stretch>
+            <a:fillRect/>
+          </a:stretch>
+        </p:blipFill>
+        <p:spPr bwMode="auto">
+          <a:xfrm>
+            <a:off x="4038600" y="987425"/>
+            <a:ext cx="4362450" cy="4876800"/>
+          </a:xfrm>
+          <a:prstGeom prst="rect">
+            <a:avLst/>
+          </a:prstGeom>
+          <a:extLst>
+            <a:ext uri="{909E8E84-426E-40DD-AFC4-6F175D3DCCD1}">
+              <a14:hiddenFill xmlns:a14="http://schemas.microsoft.com/office/drawing/2010/main">
+                <a:solidFill>
+                  <a:srgbClr val="FFFFFF"/>
+                </a:solidFill>
+              </a14:hiddenFill>
+            </a:ext>
+          </a:extLst>
+        </p:spPr>
+      </p:pic>
+      <p:pic>
+        <p:nvPicPr>
+          <p:cNvPr id="2052" name="Picture 4" descr="Using Memes in Course Evals | writing notes">
+            <a:extLst>
+              <a:ext uri="{FF2B5EF4-FFF2-40B4-BE49-F238E27FC236}">
+                <a16:creationId xmlns:a16="http://schemas.microsoft.com/office/drawing/2014/main" id="{F483C816-473E-2EAD-14F7-F8B8BBED3FCD}"/>
+              </a:ext>
+            </a:extLst>
+          </p:cNvPr>
+          <p:cNvPicPr>
+            <a:picLocks noChangeAspect="1" noChangeArrowheads="1"/>
+          </p:cNvPicPr>
+          <p:nvPr/>
+        </p:nvPicPr>
+        <p:blipFill>
+          <a:blip r:embed="rId3">
+            <a:extLst>
+              <a:ext uri="{28A0092B-C50C-407E-A947-70E740481C1C}">
+                <a14:useLocalDpi xmlns:a14="http://schemas.microsoft.com/office/drawing/2010/main" val="0"/>
+              </a:ext>
+            </a:extLst>
+          </a:blip>
+          <a:srcRect/>
+          <a:stretch>
+            <a:fillRect/>
+          </a:stretch>
+        </p:blipFill>
+        <p:spPr bwMode="auto">
+          <a:xfrm>
+            <a:off x="8459788" y="987425"/>
+            <a:ext cx="2765425" cy="2052638"/>
+          </a:xfrm>
+          <a:prstGeom prst="rect">
+            <a:avLst/>
+          </a:prstGeom>
+          <a:extLst>
+            <a:ext uri="{909E8E84-426E-40DD-AFC4-6F175D3DCCD1}">
+              <a14:hiddenFill xmlns:a14="http://schemas.microsoft.com/office/drawing/2010/main">
+                <a:solidFill>
+                  <a:srgbClr val="FFFFFF"/>
+                </a:solidFill>
+              </a14:hiddenFill>
+            </a:ext>
+          </a:extLst>
+        </p:spPr>
+      </p:pic>
+      <p:pic>
+        <p:nvPicPr>
+          <p:cNvPr id="2050" name="Picture 2" descr="evil-plotting-raccoon-meme-generator-course-evaluation-day-finally-i-have-my-revenge-58b26e  | Course evaluation, Memes, Revenge">
+            <a:extLst>
+              <a:ext uri="{FF2B5EF4-FFF2-40B4-BE49-F238E27FC236}">
+                <a16:creationId xmlns:a16="http://schemas.microsoft.com/office/drawing/2014/main" id="{A874AB85-60A8-E23B-1D25-83B07966664C}"/>
+              </a:ext>
+            </a:extLst>
+          </p:cNvPr>
+          <p:cNvPicPr>
+            <a:picLocks noChangeAspect="1" noChangeArrowheads="1"/>
+          </p:cNvPicPr>
+          <p:nvPr/>
+        </p:nvPicPr>
+        <p:blipFill>
+          <a:blip r:embed="rId4">
+            <a:extLst>
+              <a:ext uri="{28A0092B-C50C-407E-A947-70E740481C1C}">
+                <a14:useLocalDpi xmlns:a14="http://schemas.microsoft.com/office/drawing/2010/main" val="0"/>
+              </a:ext>
+            </a:extLst>
+          </a:blip>
+          <a:srcRect/>
+          <a:stretch>
+            <a:fillRect/>
+          </a:stretch>
+        </p:blipFill>
+        <p:spPr bwMode="auto">
+          <a:xfrm>
+            <a:off x="8459788" y="3098800"/>
+            <a:ext cx="2765425" cy="2765425"/>
+          </a:xfrm>
+          <a:prstGeom prst="rect">
+            <a:avLst/>
+          </a:prstGeom>
+          <a:extLst>
+            <a:ext uri="{909E8E84-426E-40DD-AFC4-6F175D3DCCD1}">
+              <a14:hiddenFill xmlns:a14="http://schemas.microsoft.com/office/drawing/2010/main">
+                <a:solidFill>
+                  <a:srgbClr val="FFFFFF"/>
+                </a:solidFill>
+              </a14:hiddenFill>
+            </a:ext>
+          </a:extLst>
+        </p:spPr>
+      </p:pic>
+      <p:sp>
+        <p:nvSpPr>
+          <p:cNvPr id="2" name="Title 1">
+            <a:extLst>
+              <a:ext uri="{FF2B5EF4-FFF2-40B4-BE49-F238E27FC236}">
+                <a16:creationId xmlns:a16="http://schemas.microsoft.com/office/drawing/2014/main" id="{26D4661B-490E-91CE-7FC8-BB6C3FE6B28B}"/>
+              </a:ext>
+            </a:extLst>
+          </p:cNvPr>
+          <p:cNvSpPr>
+            <a:spLocks noGrp="1"/>
+          </p:cNvSpPr>
+          <p:nvPr>
+            <p:ph type="title"/>
+          </p:nvPr>
+        </p:nvSpPr>
+        <p:spPr>
+          <a:xfrm>
+            <a:off x="640080" y="2074363"/>
+            <a:ext cx="2752354" cy="2709275"/>
+          </a:xfrm>
+          <a:prstGeom prst="ellipse">
+            <a:avLst/>
+          </a:prstGeom>
+          <a:solidFill>
+            <a:srgbClr val="262626"/>
+          </a:solidFill>
+          <a:ln w="174625" cmpd="thinThick">
+            <a:solidFill>
+              <a:srgbClr val="262626"/>
+            </a:solidFill>
+          </a:ln>
+        </p:spPr>
+        <p:txBody>
+          <a:bodyPr vert="horz" lIns="91440" tIns="45720" rIns="91440" bIns="45720" rtlCol="0" anchor="ctr">
+            <a:normAutofit/>
+          </a:bodyPr>
+          <a:lstStyle/>
+          <a:p>
+            <a:pPr algn="ctr"/>
+            <a:r>
+              <a:rPr lang="en-US" sz="2600" kern="1200">
+                <a:solidFill>
+                  <a:srgbClr val="FFFFFF"/>
+                </a:solidFill>
+                <a:latin typeface="+mj-lt"/>
+                <a:ea typeface="+mj-ea"/>
+                <a:cs typeface="+mj-cs"/>
+              </a:rPr>
+              <a:t>Course Evaluations</a:t>
+            </a:r>
+          </a:p>
+        </p:txBody>
+      </p:sp>
+    </p:spTree>
+    <p:extLst>
+      <p:ext uri="{BB962C8B-B14F-4D97-AF65-F5344CB8AC3E}">
+        <p14:creationId xmlns:p14="http://schemas.microsoft.com/office/powerpoint/2010/main" val="3289641328"/>
+      </p:ext>
+    </p:extLst>
+  </p:cSld>
+  <p:clrMapOvr>
+    <a:masterClrMapping/>
+  </p:clrMapOvr>
+</p:sld>
+</file>
+
+<file path=ppt/slides/slide5.xml><?xml version="1.0" encoding="utf-8"?>
+<p:sld xmlns:a="http://schemas.openxmlformats.org/drawingml/2006/main" xmlns:r="http://schemas.openxmlformats.org/officeDocument/2006/relationships" xmlns:p="http://schemas.openxmlformats.org/presentationml/2006/main">
+  <p:cSld>
+    <p:bg>
+      <p:bgPr>
+        <a:solidFill>
+          <a:schemeClr val="bg1"/>
+        </a:solidFill>
+        <a:effectLst/>
+      </p:bgPr>
+    </p:bg>
+    <p:spTree>
+      <p:nvGrpSpPr>
+        <p:cNvPr id="1" name=""/>
+        <p:cNvGrpSpPr/>
+        <p:nvPr/>
+      </p:nvGrpSpPr>
+      <p:grpSpPr>
+        <a:xfrm>
+          <a:off x="0" y="0"/>
+          <a:ext cx="0" cy="0"/>
+          <a:chOff x="0" y="0"/>
+          <a:chExt cx="0" cy="0"/>
+        </a:xfrm>
+      </p:grpSpPr>
+      <p:cxnSp>
+        <p:nvCxnSpPr>
+          <p:cNvPr id="9" name="Straight Connector 8">
+            <a:extLst>
+              <a:ext uri="{FF2B5EF4-FFF2-40B4-BE49-F238E27FC236}">
+                <a16:creationId xmlns:a16="http://schemas.microsoft.com/office/drawing/2014/main" id="{D2E961F1-4A28-4A5F-BBD4-6E400E5E6C75}"/>
+              </a:ext>
+              <a:ext uri="{C183D7F6-B498-43B3-948B-1728B52AA6E4}">
+                <adec:decorative xmlns:adec="http://schemas.microsoft.com/office/drawing/2017/decorative" val="1"/>
+              </a:ext>
+            </a:extLst>
+          </p:cNvPr>
+          <p:cNvCxnSpPr>
+            <a:cxnSpLocks noGrp="1" noRot="1" noChangeAspect="1" noMove="1" noResize="1" noEditPoints="1" noAdjustHandles="1" noChangeArrowheads="1" noChangeShapeType="1"/>
+          </p:cNvCxnSpPr>
+          <p:nvPr>
+            <p:extLst>
+              <p:ext uri="{386F3935-93C4-4BCD-93E2-E3B085C9AB24}">
+                <p16:designElem xmlns:p16="http://schemas.microsoft.com/office/powerpoint/2015/main" val="1"/>
+              </p:ext>
+            </p:extLst>
+          </p:nvPr>
+        </p:nvCxnSpPr>
+        <p:spPr bwMode="white">
+          <a:xfrm>
+            <a:off x="0" y="272357"/>
+            <a:ext cx="12188824" cy="0"/>
+          </a:xfrm>
+          <a:prstGeom prst="line">
+            <a:avLst/>
+          </a:prstGeom>
+          <a:ln w="50800">
+            <a:solidFill>
+              <a:schemeClr val="tx1">
+                <a:lumMod val="75000"/>
+                <a:lumOff val="25000"/>
+              </a:schemeClr>
+            </a:solidFill>
+          </a:ln>
+        </p:spPr>
+        <p:style>
+          <a:lnRef idx="1">
+            <a:schemeClr val="accent1"/>
+          </a:lnRef>
+          <a:fillRef idx="0">
+            <a:schemeClr val="accent1"/>
+          </a:fillRef>
+          <a:effectRef idx="0">
+            <a:schemeClr val="accent1"/>
+          </a:effectRef>
+          <a:fontRef idx="minor">
+            <a:schemeClr val="tx1"/>
+          </a:fontRef>
+        </p:style>
+      </p:cxnSp>
+      <p:sp>
+        <p:nvSpPr>
+          <p:cNvPr id="11" name="Rectangle 10">
+            <a:extLst>
+              <a:ext uri="{FF2B5EF4-FFF2-40B4-BE49-F238E27FC236}">
+                <a16:creationId xmlns:a16="http://schemas.microsoft.com/office/drawing/2014/main" id="{7F57BEA8-497D-4AA8-8A18-BDCD696B25FE}"/>
+              </a:ext>
+              <a:ext uri="{C183D7F6-B498-43B3-948B-1728B52AA6E4}">
+                <adec:decorative xmlns:adec="http://schemas.microsoft.com/office/drawing/2017/decorative" val="1"/>
+              </a:ext>
+            </a:extLst>
+          </p:cNvPr>
+          <p:cNvSpPr>
+            <a:spLocks noGrp="1" noRot="1" noChangeAspect="1" noMove="1" noResize="1" noEditPoints="1" noAdjustHandles="1" noChangeArrowheads="1" noChangeShapeType="1" noTextEdit="1"/>
+          </p:cNvSpPr>
+          <p:nvPr>
+            <p:extLst>
+              <p:ext uri="{386F3935-93C4-4BCD-93E2-E3B085C9AB24}">
+                <p16:designElem xmlns:p16="http://schemas.microsoft.com/office/powerpoint/2015/main" val="1"/>
+              </p:ext>
+            </p:extLst>
+          </p:nvPr>
+        </p:nvSpPr>
+        <p:spPr>
+          <a:xfrm>
+            <a:off x="0" y="368596"/>
+            <a:ext cx="12192000" cy="1735555"/>
+          </a:xfrm>
+          <a:prstGeom prst="rect">
+            <a:avLst/>
+          </a:prstGeom>
+          <a:solidFill>
+            <a:schemeClr val="tx1">
+              <a:lumMod val="75000"/>
+              <a:lumOff val="25000"/>
+            </a:schemeClr>
+          </a:solidFill>
+          <a:ln>
+            <a:noFill/>
+          </a:ln>
+        </p:spPr>
+        <p:style>
+          <a:lnRef idx="2">
+            <a:schemeClr val="accent1">
+              <a:shade val="50000"/>
+            </a:schemeClr>
+          </a:lnRef>
+          <a:fillRef idx="1">
+            <a:schemeClr val="accent1"/>
+          </a:fillRef>
+          <a:effectRef idx="0">
+            <a:schemeClr val="accent1"/>
+          </a:effectRef>
+          <a:fontRef idx="minor">
+            <a:schemeClr val="lt1"/>
+          </a:fontRef>
+        </p:style>
+        <p:txBody>
+          <a:bodyPr rtlCol="0" anchor="ctr"/>
+          <a:lstStyle/>
+          <a:p>
+            <a:pPr algn="ctr"/>
+            <a:endParaRPr lang="en-US"/>
+          </a:p>
+        </p:txBody>
+      </p:sp>
+      <p:sp>
+        <p:nvSpPr>
+          <p:cNvPr id="2" name="Title 1">
+            <a:extLst>
+              <a:ext uri="{FF2B5EF4-FFF2-40B4-BE49-F238E27FC236}">
+                <a16:creationId xmlns:a16="http://schemas.microsoft.com/office/drawing/2014/main" id="{77AA1759-28B4-CCBB-8DF5-CF91B391D8A5}"/>
+              </a:ext>
+            </a:extLst>
+          </p:cNvPr>
+          <p:cNvSpPr>
+            <a:spLocks noGrp="1"/>
+          </p:cNvSpPr>
+          <p:nvPr>
+            <p:ph type="title"/>
+          </p:nvPr>
+        </p:nvSpPr>
+        <p:spPr>
+          <a:xfrm>
+            <a:off x="526073" y="489439"/>
+            <a:ext cx="11139854" cy="930447"/>
+          </a:xfrm>
+          <a:prstGeom prst="ellipse">
+            <a:avLst/>
+          </a:prstGeom>
+        </p:spPr>
+        <p:txBody>
+          <a:bodyPr vert="horz" lIns="91440" tIns="45720" rIns="91440" bIns="45720" rtlCol="0" anchor="b">
+            <a:normAutofit/>
+          </a:bodyPr>
+          <a:lstStyle/>
+          <a:p>
+            <a:pPr algn="ctr"/>
+            <a:r>
+              <a:rPr lang="en-US" sz="3800" kern="1200">
+                <a:solidFill>
+                  <a:schemeClr val="bg1"/>
+                </a:solidFill>
+                <a:latin typeface="+mj-lt"/>
+                <a:ea typeface="+mj-ea"/>
+                <a:cs typeface="+mj-cs"/>
+              </a:rPr>
+              <a:t>What’s left?</a:t>
+            </a:r>
+          </a:p>
+        </p:txBody>
+      </p:sp>
+      <p:cxnSp>
+        <p:nvCxnSpPr>
+          <p:cNvPr id="13" name="Straight Connector 12">
+            <a:extLst>
+              <a:ext uri="{FF2B5EF4-FFF2-40B4-BE49-F238E27FC236}">
+                <a16:creationId xmlns:a16="http://schemas.microsoft.com/office/drawing/2014/main" id="{A82415D3-DDE5-4D63-8CB3-23A5EC581B27}"/>
+              </a:ext>
+              <a:ext uri="{C183D7F6-B498-43B3-948B-1728B52AA6E4}">
+                <adec:decorative xmlns:adec="http://schemas.microsoft.com/office/drawing/2017/decorative" val="1"/>
+              </a:ext>
+            </a:extLst>
+          </p:cNvPr>
+          <p:cNvCxnSpPr>
+            <a:cxnSpLocks noGrp="1" noRot="1" noChangeAspect="1" noMove="1" noResize="1" noEditPoints="1" noAdjustHandles="1" noChangeArrowheads="1" noChangeShapeType="1"/>
+          </p:cNvCxnSpPr>
+          <p:nvPr>
+            <p:extLst>
+              <p:ext uri="{386F3935-93C4-4BCD-93E2-E3B085C9AB24}">
+                <p16:designElem xmlns:p16="http://schemas.microsoft.com/office/powerpoint/2015/main" val="1"/>
+              </p:ext>
+            </p:extLst>
+          </p:nvPr>
+        </p:nvCxnSpPr>
+        <p:spPr>
+          <a:xfrm>
+            <a:off x="4724400" y="1479733"/>
+            <a:ext cx="2743200" cy="0"/>
+          </a:xfrm>
+          <a:prstGeom prst="line">
+            <a:avLst/>
+          </a:prstGeom>
+          <a:ln w="19050">
+            <a:solidFill>
+              <a:schemeClr val="bg1">
+                <a:alpha val="75000"/>
+              </a:schemeClr>
+            </a:solidFill>
+          </a:ln>
+        </p:spPr>
+        <p:style>
+          <a:lnRef idx="1">
+            <a:schemeClr val="accent1"/>
+          </a:lnRef>
+          <a:fillRef idx="0">
+            <a:schemeClr val="accent1"/>
+          </a:fillRef>
+          <a:effectRef idx="0">
+            <a:schemeClr val="accent1"/>
+          </a:effectRef>
+          <a:fontRef idx="minor">
+            <a:schemeClr val="tx1"/>
+          </a:fontRef>
+        </p:style>
+      </p:cxnSp>
+      <p:cxnSp>
+        <p:nvCxnSpPr>
+          <p:cNvPr id="15" name="Straight Connector 14">
+            <a:extLst>
+              <a:ext uri="{FF2B5EF4-FFF2-40B4-BE49-F238E27FC236}">
+                <a16:creationId xmlns:a16="http://schemas.microsoft.com/office/drawing/2014/main" id="{AD7193FB-6AE6-4B3B-8F89-56B55DD63B4D}"/>
+              </a:ext>
+              <a:ext uri="{C183D7F6-B498-43B3-948B-1728B52AA6E4}">
+                <adec:decorative xmlns:adec="http://schemas.microsoft.com/office/drawing/2017/decorative" val="1"/>
+              </a:ext>
+            </a:extLst>
+          </p:cNvPr>
+          <p:cNvCxnSpPr>
+            <a:cxnSpLocks noGrp="1" noRot="1" noChangeAspect="1" noMove="1" noResize="1" noEditPoints="1" noAdjustHandles="1" noChangeArrowheads="1" noChangeShapeType="1"/>
+          </p:cNvCxnSpPr>
+          <p:nvPr>
+            <p:extLst>
+              <p:ext uri="{386F3935-93C4-4BCD-93E2-E3B085C9AB24}">
+                <p16:designElem xmlns:p16="http://schemas.microsoft.com/office/powerpoint/2015/main" val="1"/>
+              </p:ext>
+            </p:extLst>
+          </p:nvPr>
+        </p:nvCxnSpPr>
+        <p:spPr bwMode="white">
+          <a:xfrm>
+            <a:off x="0" y="2201402"/>
+            <a:ext cx="12188824" cy="0"/>
+          </a:xfrm>
+          <a:prstGeom prst="line">
+            <a:avLst/>
+          </a:prstGeom>
+          <a:ln w="50800">
+            <a:solidFill>
+              <a:schemeClr val="tx1">
+                <a:lumMod val="75000"/>
+                <a:lumOff val="25000"/>
+              </a:schemeClr>
+            </a:solidFill>
+          </a:ln>
+        </p:spPr>
+        <p:style>
+          <a:lnRef idx="1">
+            <a:schemeClr val="accent1"/>
+          </a:lnRef>
+          <a:fillRef idx="0">
+            <a:schemeClr val="accent1"/>
+          </a:fillRef>
+          <a:effectRef idx="0">
+            <a:schemeClr val="accent1"/>
+          </a:effectRef>
+          <a:fontRef idx="minor">
+            <a:schemeClr val="tx1"/>
+          </a:fontRef>
+        </p:style>
+      </p:cxnSp>
+      <p:graphicFrame>
+        <p:nvGraphicFramePr>
+          <p:cNvPr id="4" name="Table 4">
+            <a:extLst>
+              <a:ext uri="{FF2B5EF4-FFF2-40B4-BE49-F238E27FC236}">
+                <a16:creationId xmlns:a16="http://schemas.microsoft.com/office/drawing/2014/main" id="{D4A1103E-37CA-AB45-E641-8DA634E9C960}"/>
+              </a:ext>
+            </a:extLst>
+          </p:cNvPr>
+          <p:cNvGraphicFramePr>
+            <a:graphicFrameLocks noGrp="1"/>
+          </p:cNvGraphicFramePr>
+          <p:nvPr>
+            <p:extLst>
+              <p:ext uri="{D42A27DB-BD31-4B8C-83A1-F6EECF244321}">
+                <p14:modId xmlns:p14="http://schemas.microsoft.com/office/powerpoint/2010/main" val="2916657944"/>
+              </p:ext>
+            </p:extLst>
+          </p:nvPr>
+        </p:nvGraphicFramePr>
+        <p:xfrm>
+          <a:off x="1096886" y="2491764"/>
+          <a:ext cx="5326216" cy="3997640"/>
+        </p:xfrm>
+        <a:graphic>
+          <a:graphicData uri="http://schemas.openxmlformats.org/drawingml/2006/table">
+            <a:tbl>
+              <a:tblPr firstRow="1" bandRow="1">
+                <a:tableStyleId>{3B4B98B0-60AC-42C2-AFA5-B58CD77FA1E5}</a:tableStyleId>
+              </a:tblPr>
+              <a:tblGrid>
+                <a:gridCol w="3166648">
+                  <a:extLst>
+                    <a:ext uri="{9D8B030D-6E8A-4147-A177-3AD203B41FA5}">
+                      <a16:colId xmlns:a16="http://schemas.microsoft.com/office/drawing/2014/main" val="2979432303"/>
+                    </a:ext>
+                  </a:extLst>
+                </a:gridCol>
+                <a:gridCol w="2159568">
+                  <a:extLst>
+                    <a:ext uri="{9D8B030D-6E8A-4147-A177-3AD203B41FA5}">
+                      <a16:colId xmlns:a16="http://schemas.microsoft.com/office/drawing/2014/main" val="108985302"/>
+                    </a:ext>
+                  </a:extLst>
+                </a:gridCol>
+              </a:tblGrid>
+              <a:tr h="999410">
+                <a:tc>
+                  <a:txBody>
+                    <a:bodyPr/>
+                    <a:lstStyle/>
+                    <a:p>
+                      <a:r>
+                        <a:rPr lang="en-US" sz="2700"/>
+                        <a:t>Assignment</a:t>
+                      </a:r>
+                    </a:p>
+                  </a:txBody>
+                  <a:tcPr marL="138457" marR="138457" marT="69229" marB="69229"/>
+                </a:tc>
+                <a:tc>
+                  <a:txBody>
+                    <a:bodyPr/>
+                    <a:lstStyle/>
+                    <a:p>
+                      <a:r>
+                        <a:rPr lang="en-US" sz="2700" dirty="0"/>
+                        <a:t>Due Date</a:t>
+                      </a:r>
+                    </a:p>
+                  </a:txBody>
+                  <a:tcPr marL="138457" marR="138457" marT="69229" marB="69229"/>
+                </a:tc>
+                <a:extLst>
+                  <a:ext uri="{0D108BD9-81ED-4DB2-BD59-A6C34878D82A}">
+                    <a16:rowId xmlns:a16="http://schemas.microsoft.com/office/drawing/2014/main" val="2072525115"/>
+                  </a:ext>
+                </a:extLst>
+              </a:tr>
+              <a:tr h="999410">
+                <a:tc>
+                  <a:txBody>
+                    <a:bodyPr/>
+                    <a:lstStyle/>
+                    <a:p>
+                      <a:r>
+                        <a:rPr lang="en-US" sz="2700"/>
+                        <a:t>Project Report</a:t>
+                      </a:r>
+                    </a:p>
+                  </a:txBody>
+                  <a:tcPr marL="138457" marR="138457" marT="69229" marB="69229"/>
+                </a:tc>
+                <a:tc>
+                  <a:txBody>
+                    <a:bodyPr/>
+                    <a:lstStyle/>
+                    <a:p>
+                      <a:r>
+                        <a:rPr lang="en-US" sz="2700"/>
+                        <a:t>Dec 13</a:t>
+                      </a:r>
+                    </a:p>
+                  </a:txBody>
+                  <a:tcPr marL="138457" marR="138457" marT="69229" marB="69229"/>
+                </a:tc>
+                <a:extLst>
+                  <a:ext uri="{0D108BD9-81ED-4DB2-BD59-A6C34878D82A}">
+                    <a16:rowId xmlns:a16="http://schemas.microsoft.com/office/drawing/2014/main" val="1052016243"/>
+                  </a:ext>
+                </a:extLst>
+              </a:tr>
+              <a:tr h="999410">
+                <a:tc>
+                  <a:txBody>
+                    <a:bodyPr/>
+                    <a:lstStyle/>
+                    <a:p>
+                      <a:r>
+                        <a:rPr lang="en-US" sz="2700"/>
+                        <a:t>Final Evaluation</a:t>
+                      </a:r>
+                    </a:p>
+                  </a:txBody>
+                  <a:tcPr marL="138457" marR="138457" marT="69229" marB="69229"/>
+                </a:tc>
+                <a:tc>
+                  <a:txBody>
+                    <a:bodyPr/>
+                    <a:lstStyle/>
+                    <a:p>
+                      <a:r>
+                        <a:rPr lang="en-US" sz="2700"/>
+                        <a:t>Dec 12</a:t>
+                      </a:r>
+                    </a:p>
+                  </a:txBody>
+                  <a:tcPr marL="138457" marR="138457" marT="69229" marB="69229"/>
+                </a:tc>
+                <a:extLst>
+                  <a:ext uri="{0D108BD9-81ED-4DB2-BD59-A6C34878D82A}">
+                    <a16:rowId xmlns:a16="http://schemas.microsoft.com/office/drawing/2014/main" val="1605607475"/>
+                  </a:ext>
+                </a:extLst>
+              </a:tr>
+              <a:tr h="999410">
+                <a:tc>
+                  <a:txBody>
+                    <a:bodyPr/>
+                    <a:lstStyle/>
+                    <a:p>
+                      <a:r>
+                        <a:rPr lang="en-US" sz="2700"/>
+                        <a:t>Second Exam</a:t>
+                      </a:r>
+                    </a:p>
+                  </a:txBody>
+                  <a:tcPr marL="138457" marR="138457" marT="69229" marB="69229"/>
+                </a:tc>
+                <a:tc>
+                  <a:txBody>
+                    <a:bodyPr/>
+                    <a:lstStyle/>
+                    <a:p>
+                      <a:r>
+                        <a:rPr lang="en-US" sz="2700" dirty="0"/>
+                        <a:t>Dec 12</a:t>
+                      </a:r>
+                    </a:p>
+                  </a:txBody>
+                  <a:tcPr marL="138457" marR="138457" marT="69229" marB="69229"/>
+                </a:tc>
+                <a:extLst>
+                  <a:ext uri="{0D108BD9-81ED-4DB2-BD59-A6C34878D82A}">
+                    <a16:rowId xmlns:a16="http://schemas.microsoft.com/office/drawing/2014/main" val="2378055637"/>
+                  </a:ext>
+                </a:extLst>
+              </a:tr>
+            </a:tbl>
+          </a:graphicData>
+        </a:graphic>
+      </p:graphicFrame>
+      <p:pic>
+        <p:nvPicPr>
+          <p:cNvPr id="7" name="Picture 2" descr="The best semester memes :) Memedroid">
+            <a:extLst>
+              <a:ext uri="{FF2B5EF4-FFF2-40B4-BE49-F238E27FC236}">
+                <a16:creationId xmlns:a16="http://schemas.microsoft.com/office/drawing/2014/main" id="{7E85E5CA-E4D3-14C5-DE53-67A211022B64}"/>
+              </a:ext>
+            </a:extLst>
+          </p:cNvPr>
+          <p:cNvPicPr>
+            <a:picLocks noChangeAspect="1" noChangeArrowheads="1"/>
+          </p:cNvPicPr>
+          <p:nvPr/>
+        </p:nvPicPr>
+        <p:blipFill>
+          <a:blip r:embed="rId2">
+            <a:extLst>
+              <a:ext uri="{28A0092B-C50C-407E-A947-70E740481C1C}">
+                <a14:useLocalDpi xmlns:a14="http://schemas.microsoft.com/office/drawing/2010/main" val="0"/>
+              </a:ext>
+            </a:extLst>
+          </a:blip>
+          <a:srcRect/>
+          <a:stretch>
+            <a:fillRect/>
+          </a:stretch>
+        </p:blipFill>
+        <p:spPr bwMode="auto">
+          <a:xfrm>
+            <a:off x="7329761" y="2491767"/>
+            <a:ext cx="3529294" cy="3997637"/>
+          </a:xfrm>
+          <a:prstGeom prst="rect">
+            <a:avLst/>
+          </a:prstGeom>
+          <a:noFill/>
+          <a:extLst>
+            <a:ext uri="{909E8E84-426E-40DD-AFC4-6F175D3DCCD1}">
+              <a14:hiddenFill xmlns:a14="http://schemas.microsoft.com/office/drawing/2010/main">
+                <a:solidFill>
+                  <a:srgbClr val="FFFFFF"/>
+                </a:solidFill>
+              </a14:hiddenFill>
+            </a:ext>
+          </a:extLst>
+        </p:spPr>
+      </p:pic>
+    </p:spTree>
+    <p:extLst>
+      <p:ext uri="{BB962C8B-B14F-4D97-AF65-F5344CB8AC3E}">
+        <p14:creationId xmlns:p14="http://schemas.microsoft.com/office/powerpoint/2010/main" val="2650513954"/>
+      </p:ext>
+    </p:extLst>
+  </p:cSld>
+  <p:clrMapOvr>
+    <a:masterClrMapping/>
+  </p:clrMapOvr>
+</p:sld>
+</file>
+
+<file path=ppt/slides/slide6.xml><?xml version="1.0" encoding="utf-8"?>
+<p:sld xmlns:a="http://schemas.openxmlformats.org/drawingml/2006/main" xmlns:r="http://schemas.openxmlformats.org/officeDocument/2006/relationships" xmlns:p="http://schemas.openxmlformats.org/presentationml/2006/main">
+  <p:cSld>
+    <p:bg>
+      <p:bgPr>
+        <a:solidFill>
+          <a:schemeClr val="bg1"/>
+        </a:solidFill>
+        <a:effectLst/>
+      </p:bgPr>
+    </p:bg>
+    <p:spTree>
+      <p:nvGrpSpPr>
+        <p:cNvPr id="1" name=""/>
+        <p:cNvGrpSpPr/>
+        <p:nvPr/>
+      </p:nvGrpSpPr>
+      <p:grpSpPr>
+        <a:xfrm>
+          <a:off x="0" y="0"/>
+          <a:ext cx="0" cy="0"/>
+          <a:chOff x="0" y="0"/>
+          <a:chExt cx="0" cy="0"/>
+        </a:xfrm>
+      </p:grpSpPr>
+      <p:sp>
+        <p:nvSpPr>
+          <p:cNvPr id="3083" name="Rectangle 3082">
+            <a:extLst>
+              <a:ext uri="{FF2B5EF4-FFF2-40B4-BE49-F238E27FC236}">
+                <a16:creationId xmlns:a16="http://schemas.microsoft.com/office/drawing/2014/main" id="{AA3CC463-F933-4AC4-86E1-5AC14B0C3163}"/>
+              </a:ext>
+              <a:ext uri="{C183D7F6-B498-43B3-948B-1728B52AA6E4}">
+                <adec:decorative xmlns:adec="http://schemas.microsoft.com/office/drawing/2017/decorative" val="1"/>
+              </a:ext>
+            </a:extLst>
+          </p:cNvPr>
+          <p:cNvSpPr>
+            <a:spLocks noGrp="1" noRot="1" noChangeAspect="1" noMove="1" noResize="1" noEditPoints="1" noAdjustHandles="1" noChangeArrowheads="1" noChangeShapeType="1" noTextEdit="1"/>
+          </p:cNvSpPr>
+          <p:nvPr>
+            <p:extLst>
+              <p:ext uri="{386F3935-93C4-4BCD-93E2-E3B085C9AB24}">
+                <p16:designElem xmlns:p16="http://schemas.microsoft.com/office/powerpoint/2015/main" val="1"/>
+              </p:ext>
+            </p:extLst>
+          </p:nvPr>
+        </p:nvSpPr>
+        <p:spPr>
+          <a:xfrm>
+            <a:off x="0" y="0"/>
+            <a:ext cx="12192000" cy="6858000"/>
+          </a:xfrm>
+          <a:prstGeom prst="rect">
+            <a:avLst/>
+          </a:prstGeom>
+          <a:solidFill>
+            <a:schemeClr val="bg1">
+              <a:lumMod val="50000"/>
+              <a:alpha val="90000"/>
+            </a:schemeClr>
+          </a:solidFill>
+          <a:ln>
+            <a:noFill/>
+          </a:ln>
+        </p:spPr>
+        <p:style>
+          <a:lnRef idx="2">
+            <a:schemeClr val="accent1">
+              <a:shade val="50000"/>
+            </a:schemeClr>
+          </a:lnRef>
+          <a:fillRef idx="1">
+            <a:schemeClr val="accent1"/>
+          </a:fillRef>
+          <a:effectRef idx="0">
+            <a:schemeClr val="accent1"/>
+          </a:effectRef>
+          <a:fontRef idx="minor">
+            <a:schemeClr val="lt1"/>
+          </a:fontRef>
+        </p:style>
+        <p:txBody>
+          <a:bodyPr rtlCol="0" anchor="ctr"/>
+          <a:lstStyle/>
+          <a:p>
+            <a:pPr algn="ctr"/>
+            <a:endParaRPr lang="en-US"/>
+          </a:p>
+        </p:txBody>
+      </p:sp>
+      <p:sp>
+        <p:nvSpPr>
+          <p:cNvPr id="3085" name="Rectangle 3084">
+            <a:extLst>
+              <a:ext uri="{FF2B5EF4-FFF2-40B4-BE49-F238E27FC236}">
+                <a16:creationId xmlns:a16="http://schemas.microsoft.com/office/drawing/2014/main" id="{6025D2DB-A12A-44DB-B00E-F4D622329EDD}"/>
+              </a:ext>
+              <a:ext uri="{C183D7F6-B498-43B3-948B-1728B52AA6E4}">
+                <adec:decorative xmlns:adec="http://schemas.microsoft.com/office/drawing/2017/decorative" val="1"/>
+              </a:ext>
+            </a:extLst>
+          </p:cNvPr>
+          <p:cNvSpPr>
+            <a:spLocks noGrp="1" noRot="1" noChangeAspect="1" noMove="1" noResize="1" noEditPoints="1" noAdjustHandles="1" noChangeArrowheads="1" noChangeShapeType="1" noTextEdit="1"/>
+          </p:cNvSpPr>
+          <p:nvPr>
+            <p:extLst>
+              <p:ext uri="{386F3935-93C4-4BCD-93E2-E3B085C9AB24}">
+                <p16:designElem xmlns:p16="http://schemas.microsoft.com/office/powerpoint/2015/main" val="1"/>
+              </p:ext>
+            </p:extLst>
+          </p:nvPr>
+        </p:nvSpPr>
+        <p:spPr>
+          <a:xfrm>
+            <a:off x="461331" y="480060"/>
+            <a:ext cx="4180332" cy="2788074"/>
+          </a:xfrm>
+          <a:prstGeom prst="rect">
+            <a:avLst/>
+          </a:prstGeom>
+          <a:solidFill>
+            <a:srgbClr val="FFFFFF"/>
+          </a:solidFill>
+          <a:ln w="19050">
+            <a:solidFill>
+              <a:srgbClr val="D15D32"/>
+            </a:solidFill>
+          </a:ln>
+        </p:spPr>
+        <p:style>
+          <a:lnRef idx="2">
+            <a:schemeClr val="accent1">
+              <a:shade val="50000"/>
+            </a:schemeClr>
+          </a:lnRef>
+          <a:fillRef idx="1">
+            <a:schemeClr val="accent1"/>
+          </a:fillRef>
+          <a:effectRef idx="0">
+            <a:schemeClr val="accent1"/>
+          </a:effectRef>
+          <a:fontRef idx="minor">
+            <a:schemeClr val="lt1"/>
+          </a:fontRef>
+        </p:style>
+        <p:txBody>
+          <a:bodyPr rtlCol="0" anchor="ctr"/>
+          <a:lstStyle/>
+          <a:p>
+            <a:pPr algn="ctr"/>
+            <a:endParaRPr lang="en-US"/>
+          </a:p>
+        </p:txBody>
+      </p:sp>
+      <p:pic>
+        <p:nvPicPr>
+          <p:cNvPr id="3076" name="Picture 4" descr="30 Thank You Memes You Need To Send To Your Friends ASAP - SayingImages.com  | Thank you memes, Funny thank you, Thanks meme">
+            <a:extLst>
+              <a:ext uri="{FF2B5EF4-FFF2-40B4-BE49-F238E27FC236}">
+                <a16:creationId xmlns:a16="http://schemas.microsoft.com/office/drawing/2014/main" id="{5E8AC621-98BF-CC48-44ED-9B24F19220B6}"/>
+              </a:ext>
+            </a:extLst>
+          </p:cNvPr>
+          <p:cNvPicPr>
+            <a:picLocks noChangeAspect="1" noChangeArrowheads="1"/>
+          </p:cNvPicPr>
+          <p:nvPr/>
+        </p:nvPicPr>
+        <p:blipFill>
+          <a:blip r:embed="rId2">
+            <a:extLst>
+              <a:ext uri="{28A0092B-C50C-407E-A947-70E740481C1C}">
+                <a14:useLocalDpi xmlns:a14="http://schemas.microsoft.com/office/drawing/2010/main" val="0"/>
+              </a:ext>
+            </a:extLst>
+          </a:blip>
+          <a:stretch>
+            <a:fillRect/>
+          </a:stretch>
+        </p:blipFill>
+        <p:spPr bwMode="auto">
+          <a:xfrm>
+            <a:off x="706736" y="643467"/>
+            <a:ext cx="3686570" cy="2475653"/>
+          </a:xfrm>
+          <a:prstGeom prst="rect">
+            <a:avLst/>
+          </a:prstGeom>
+          <a:noFill/>
+          <a:extLst>
+            <a:ext uri="{909E8E84-426E-40DD-AFC4-6F175D3DCCD1}">
+              <a14:hiddenFill xmlns:a14="http://schemas.microsoft.com/office/drawing/2010/main">
+                <a:solidFill>
+                  <a:srgbClr val="FFFFFF"/>
+                </a:solidFill>
+              </a14:hiddenFill>
+            </a:ext>
+          </a:extLst>
+        </p:spPr>
+      </p:pic>
+      <p:sp>
+        <p:nvSpPr>
+          <p:cNvPr id="3087" name="Rectangle 3086">
+            <a:extLst>
+              <a:ext uri="{FF2B5EF4-FFF2-40B4-BE49-F238E27FC236}">
+                <a16:creationId xmlns:a16="http://schemas.microsoft.com/office/drawing/2014/main" id="{CE7E7877-F64E-4EEA-B778-138031EFF874}"/>
+              </a:ext>
+              <a:ext uri="{C183D7F6-B498-43B3-948B-1728B52AA6E4}">
+                <adec:decorative xmlns:adec="http://schemas.microsoft.com/office/drawing/2017/decorative" val="1"/>
+              </a:ext>
+            </a:extLst>
+          </p:cNvPr>
+          <p:cNvSpPr>
+            <a:spLocks noGrp="1" noRot="1" noChangeAspect="1" noMove="1" noResize="1" noEditPoints="1" noAdjustHandles="1" noChangeArrowheads="1" noChangeShapeType="1" noTextEdit="1"/>
+          </p:cNvSpPr>
+          <p:nvPr>
+            <p:extLst>
+              <p:ext uri="{386F3935-93C4-4BCD-93E2-E3B085C9AB24}">
+                <p16:designElem xmlns:p16="http://schemas.microsoft.com/office/powerpoint/2015/main" val="1"/>
+              </p:ext>
+            </p:extLst>
+          </p:nvPr>
+        </p:nvSpPr>
+        <p:spPr>
+          <a:xfrm>
+            <a:off x="461331" y="3603670"/>
+            <a:ext cx="4180332" cy="2788074"/>
+          </a:xfrm>
+          <a:prstGeom prst="rect">
+            <a:avLst/>
+          </a:prstGeom>
+          <a:solidFill>
+            <a:srgbClr val="FFFFFF"/>
+          </a:solidFill>
+          <a:ln w="19050">
+            <a:solidFill>
+              <a:srgbClr val="D15D32"/>
+            </a:solidFill>
+          </a:ln>
+        </p:spPr>
+        <p:style>
+          <a:lnRef idx="2">
+            <a:schemeClr val="accent1">
+              <a:shade val="50000"/>
+            </a:schemeClr>
+          </a:lnRef>
+          <a:fillRef idx="1">
+            <a:schemeClr val="accent1"/>
+          </a:fillRef>
+          <a:effectRef idx="0">
+            <a:schemeClr val="accent1"/>
+          </a:effectRef>
+          <a:fontRef idx="minor">
+            <a:schemeClr val="lt1"/>
+          </a:fontRef>
+        </p:style>
+        <p:txBody>
+          <a:bodyPr rtlCol="0" anchor="ctr"/>
+          <a:lstStyle/>
+          <a:p>
+            <a:pPr algn="ctr"/>
+            <a:endParaRPr lang="en-US"/>
+          </a:p>
+        </p:txBody>
+      </p:sp>
+      <p:pic>
+        <p:nvPicPr>
+          <p:cNvPr id="3078" name="Picture 6" descr="Winter Break! Time to celebrate. - Happy Minion | Make a Meme">
+            <a:extLst>
+              <a:ext uri="{FF2B5EF4-FFF2-40B4-BE49-F238E27FC236}">
+                <a16:creationId xmlns:a16="http://schemas.microsoft.com/office/drawing/2014/main" id="{402C3488-3A41-F119-7520-E09033FB0A27}"/>
+              </a:ext>
+            </a:extLst>
+          </p:cNvPr>
+          <p:cNvPicPr>
+            <a:picLocks noChangeAspect="1" noChangeArrowheads="1"/>
+          </p:cNvPicPr>
+          <p:nvPr/>
+        </p:nvPicPr>
+        <p:blipFill>
+          <a:blip r:embed="rId3">
+            <a:extLst>
+              <a:ext uri="{28A0092B-C50C-407E-A947-70E740481C1C}">
+                <a14:useLocalDpi xmlns:a14="http://schemas.microsoft.com/office/drawing/2010/main" val="0"/>
+              </a:ext>
+            </a:extLst>
+          </a:blip>
+          <a:stretch>
+            <a:fillRect/>
+          </a:stretch>
+        </p:blipFill>
+        <p:spPr bwMode="auto">
+          <a:xfrm>
+            <a:off x="692922" y="3748194"/>
+            <a:ext cx="3714199" cy="2471631"/>
+          </a:xfrm>
+          <a:prstGeom prst="rect">
+            <a:avLst/>
+          </a:prstGeom>
+          <a:noFill/>
+          <a:extLst>
+            <a:ext uri="{909E8E84-426E-40DD-AFC4-6F175D3DCCD1}">
+              <a14:hiddenFill xmlns:a14="http://schemas.microsoft.com/office/drawing/2010/main">
+                <a:solidFill>
+                  <a:srgbClr val="FFFFFF"/>
+                </a:solidFill>
+              </a14:hiddenFill>
+            </a:ext>
+          </a:extLst>
+        </p:spPr>
+      </p:pic>
+      <p:sp>
+        <p:nvSpPr>
+          <p:cNvPr id="3089" name="Rectangle 3088">
+            <a:extLst>
+              <a:ext uri="{FF2B5EF4-FFF2-40B4-BE49-F238E27FC236}">
+                <a16:creationId xmlns:a16="http://schemas.microsoft.com/office/drawing/2014/main" id="{7DD6C4F3-70FD-4F13-919C-702EE4886499}"/>
+              </a:ext>
+              <a:ext uri="{C183D7F6-B498-43B3-948B-1728B52AA6E4}">
+                <adec:decorative xmlns:adec="http://schemas.microsoft.com/office/drawing/2017/decorative" val="1"/>
+              </a:ext>
+            </a:extLst>
+          </p:cNvPr>
+          <p:cNvSpPr>
+            <a:spLocks noGrp="1" noRot="1" noChangeAspect="1" noMove="1" noResize="1" noEditPoints="1" noAdjustHandles="1" noChangeArrowheads="1" noChangeShapeType="1" noTextEdit="1"/>
+          </p:cNvSpPr>
+          <p:nvPr>
+            <p:extLst>
+              <p:ext uri="{386F3935-93C4-4BCD-93E2-E3B085C9AB24}">
+                <p16:designElem xmlns:p16="http://schemas.microsoft.com/office/powerpoint/2015/main" val="1"/>
+              </p:ext>
+            </p:extLst>
+          </p:nvPr>
+        </p:nvSpPr>
+        <p:spPr>
+          <a:xfrm>
+            <a:off x="4980596" y="487090"/>
+            <a:ext cx="6741849" cy="5897880"/>
+          </a:xfrm>
+          <a:prstGeom prst="rect">
+            <a:avLst/>
+          </a:prstGeom>
+          <a:solidFill>
+            <a:srgbClr val="FFFFFF"/>
+          </a:solidFill>
+          <a:ln w="19050">
+            <a:noFill/>
+          </a:ln>
+        </p:spPr>
+        <p:style>
+          <a:lnRef idx="2">
+            <a:schemeClr val="accent1">
+              <a:shade val="50000"/>
+            </a:schemeClr>
+          </a:lnRef>
+          <a:fillRef idx="1">
+            <a:schemeClr val="accent1"/>
+          </a:fillRef>
+          <a:effectRef idx="0">
+            <a:schemeClr val="accent1"/>
+          </a:effectRef>
+          <a:fontRef idx="minor">
+            <a:schemeClr val="lt1"/>
+          </a:fontRef>
+        </p:style>
+        <p:txBody>
+          <a:bodyPr rtlCol="0" anchor="ctr"/>
+          <a:lstStyle/>
+          <a:p>
+            <a:pPr algn="ctr"/>
+            <a:endParaRPr lang="en-US"/>
+          </a:p>
+        </p:txBody>
+      </p:sp>
+      <p:pic>
+        <p:nvPicPr>
+          <p:cNvPr id="3074" name="Picture 2" descr="25+ Best End of Semester Memes | School Memes, Quickmeme Memes">
+            <a:extLst>
+              <a:ext uri="{FF2B5EF4-FFF2-40B4-BE49-F238E27FC236}">
+                <a16:creationId xmlns:a16="http://schemas.microsoft.com/office/drawing/2014/main" id="{0B4A23A0-43F8-18CA-D94B-E89316EA1D3E}"/>
+              </a:ext>
+            </a:extLst>
+          </p:cNvPr>
+          <p:cNvPicPr>
+            <a:picLocks noChangeAspect="1" noChangeArrowheads="1"/>
+          </p:cNvPicPr>
+          <p:nvPr/>
+        </p:nvPicPr>
+        <p:blipFill>
+          <a:blip r:embed="rId4">
+            <a:extLst>
+              <a:ext uri="{28A0092B-C50C-407E-A947-70E740481C1C}">
+                <a14:useLocalDpi xmlns:a14="http://schemas.microsoft.com/office/drawing/2010/main" val="0"/>
+              </a:ext>
+            </a:extLst>
+          </a:blip>
+          <a:stretch>
+            <a:fillRect/>
+          </a:stretch>
+        </p:blipFill>
+        <p:spPr bwMode="auto">
+          <a:xfrm>
+            <a:off x="5144764" y="1074982"/>
+            <a:ext cx="6410084" cy="4722095"/>
+          </a:xfrm>
+          <a:prstGeom prst="rect">
+            <a:avLst/>
+          </a:prstGeom>
+          <a:noFill/>
+          <a:extLst>
+            <a:ext uri="{909E8E84-426E-40DD-AFC4-6F175D3DCCD1}">
+              <a14:hiddenFill xmlns:a14="http://schemas.microsoft.com/office/drawing/2010/main">
+                <a:solidFill>
+                  <a:srgbClr val="FFFFFF"/>
+                </a:solidFill>
+              </a14:hiddenFill>
+            </a:ext>
+          </a:extLst>
+        </p:spPr>
+      </p:pic>
+    </p:spTree>
+    <p:extLst>
+      <p:ext uri="{BB962C8B-B14F-4D97-AF65-F5344CB8AC3E}">
+        <p14:creationId xmlns:p14="http://schemas.microsoft.com/office/powerpoint/2010/main" val="1495517949"/>
       </p:ext>
     </p:extLst>
   </p:cSld>

--- a/lecture/13/13.pptx
+++ b/lecture/13/13.pptx
@@ -4337,7 +4337,7 @@
                 <a:ea typeface="+mj-ea"/>
                 <a:cs typeface="+mj-cs"/>
               </a:rPr>
-              <a:t>Course Evaluations</a:t>
+              <a:t>Course Evaluation</a:t>
             </a:r>
           </a:p>
         </p:txBody>

--- a/lecture/13/13.pptx
+++ b/lecture/13/13.pptx
@@ -264,7 +264,7 @@
           <a:p>
             <a:fld id="{2E3E25B3-DC01-4BCD-A739-BA7849D6F035}" type="datetimeFigureOut">
               <a:rPr lang="en-US" smtClean="0"/>
-              <a:t>12/5/2022</a:t>
+              <a:t>12/8/2022</a:t>
             </a:fld>
             <a:endParaRPr lang="en-US"/>
           </a:p>
@@ -462,7 +462,7 @@
           <a:p>
             <a:fld id="{2E3E25B3-DC01-4BCD-A739-BA7849D6F035}" type="datetimeFigureOut">
               <a:rPr lang="en-US" smtClean="0"/>
-              <a:t>12/5/2022</a:t>
+              <a:t>12/8/2022</a:t>
             </a:fld>
             <a:endParaRPr lang="en-US"/>
           </a:p>
@@ -670,7 +670,7 @@
           <a:p>
             <a:fld id="{2E3E25B3-DC01-4BCD-A739-BA7849D6F035}" type="datetimeFigureOut">
               <a:rPr lang="en-US" smtClean="0"/>
-              <a:t>12/5/2022</a:t>
+              <a:t>12/8/2022</a:t>
             </a:fld>
             <a:endParaRPr lang="en-US"/>
           </a:p>
@@ -868,7 +868,7 @@
           <a:p>
             <a:fld id="{2E3E25B3-DC01-4BCD-A739-BA7849D6F035}" type="datetimeFigureOut">
               <a:rPr lang="en-US" smtClean="0"/>
-              <a:t>12/5/2022</a:t>
+              <a:t>12/8/2022</a:t>
             </a:fld>
             <a:endParaRPr lang="en-US"/>
           </a:p>
@@ -1143,7 +1143,7 @@
           <a:p>
             <a:fld id="{2E3E25B3-DC01-4BCD-A739-BA7849D6F035}" type="datetimeFigureOut">
               <a:rPr lang="en-US" smtClean="0"/>
-              <a:t>12/5/2022</a:t>
+              <a:t>12/8/2022</a:t>
             </a:fld>
             <a:endParaRPr lang="en-US"/>
           </a:p>
@@ -1408,7 +1408,7 @@
           <a:p>
             <a:fld id="{2E3E25B3-DC01-4BCD-A739-BA7849D6F035}" type="datetimeFigureOut">
               <a:rPr lang="en-US" smtClean="0"/>
-              <a:t>12/5/2022</a:t>
+              <a:t>12/8/2022</a:t>
             </a:fld>
             <a:endParaRPr lang="en-US"/>
           </a:p>
@@ -1820,7 +1820,7 @@
           <a:p>
             <a:fld id="{2E3E25B3-DC01-4BCD-A739-BA7849D6F035}" type="datetimeFigureOut">
               <a:rPr lang="en-US" smtClean="0"/>
-              <a:t>12/5/2022</a:t>
+              <a:t>12/8/2022</a:t>
             </a:fld>
             <a:endParaRPr lang="en-US"/>
           </a:p>
@@ -1961,7 +1961,7 @@
           <a:p>
             <a:fld id="{2E3E25B3-DC01-4BCD-A739-BA7849D6F035}" type="datetimeFigureOut">
               <a:rPr lang="en-US" smtClean="0"/>
-              <a:t>12/5/2022</a:t>
+              <a:t>12/8/2022</a:t>
             </a:fld>
             <a:endParaRPr lang="en-US"/>
           </a:p>
@@ -2074,7 +2074,7 @@
           <a:p>
             <a:fld id="{2E3E25B3-DC01-4BCD-A739-BA7849D6F035}" type="datetimeFigureOut">
               <a:rPr lang="en-US" smtClean="0"/>
-              <a:t>12/5/2022</a:t>
+              <a:t>12/8/2022</a:t>
             </a:fld>
             <a:endParaRPr lang="en-US"/>
           </a:p>
@@ -2385,7 +2385,7 @@
           <a:p>
             <a:fld id="{2E3E25B3-DC01-4BCD-A739-BA7849D6F035}" type="datetimeFigureOut">
               <a:rPr lang="en-US" smtClean="0"/>
-              <a:t>12/5/2022</a:t>
+              <a:t>12/8/2022</a:t>
             </a:fld>
             <a:endParaRPr lang="en-US"/>
           </a:p>
@@ -2673,7 +2673,7 @@
           <a:p>
             <a:fld id="{2E3E25B3-DC01-4BCD-A739-BA7849D6F035}" type="datetimeFigureOut">
               <a:rPr lang="en-US" smtClean="0"/>
-              <a:t>12/5/2022</a:t>
+              <a:t>12/8/2022</a:t>
             </a:fld>
             <a:endParaRPr lang="en-US"/>
           </a:p>
@@ -2914,7 +2914,7 @@
           <a:p>
             <a:fld id="{2E3E25B3-DC01-4BCD-A739-BA7849D6F035}" type="datetimeFigureOut">
               <a:rPr lang="en-US" smtClean="0"/>
-              <a:t>12/5/2022</a:t>
+              <a:t>12/8/2022</a:t>
             </a:fld>
             <a:endParaRPr lang="en-US"/>
           </a:p>
@@ -3939,14 +3939,14 @@
             <a:pPr lvl="1"/>
             <a:r>
               <a:rPr lang="en-US" dirty="0"/>
-              <a:t>Presentation submission: 20 points </a:t>
+              <a:t>Presentation submission: 10 points </a:t>
             </a:r>
           </a:p>
           <a:p>
             <a:pPr lvl="1"/>
             <a:r>
               <a:rPr lang="en-US" dirty="0"/>
-              <a:t>Instructor’s evaluation: 20 points </a:t>
+              <a:t>Instructor’s evaluation: 10 points </a:t>
             </a:r>
           </a:p>
           <a:p>
